--- a/document/img/画像作成用.pptx
+++ b/document/img/画像作成用.pptx
@@ -4766,7 +4766,7 @@
         <p:spPr>
           <a:xfrm>
             <a:off x="5031682" y="2573639"/>
-            <a:ext cx="1149674" cy="261610"/>
+            <a:ext cx="1228221" cy="261610"/>
           </a:xfrm>
           <a:prstGeom prst="rect">
             <a:avLst/>
@@ -4781,7 +4781,7 @@
           <a:p>
             <a:r>
               <a:rPr kumimoji="1" lang="en-US" altLang="ja-JP" sz="1100" dirty="0"/>
-              <a:t>(0.09, 0.045, 0)</a:t>
+              <a:t>(0.135, 0.045, 0)</a:t>
             </a:r>
             <a:endParaRPr kumimoji="1" lang="ja-JP" altLang="en-US" sz="1100" dirty="0"/>
           </a:p>
